--- a/docs/diagrams/UndoRedoExecuteUndoStateListDiagram.pptx
+++ b/docs/diagrams/UndoRedoExecuteUndoStateListDiagram.pptx
@@ -112,10 +112,6 @@
 </p:presentation>
 </file>
 
-<file path=ppt/revisionInfo.xml><?xml version="1.0" encoding="utf-8"?>
-<p1510:revInfo xmlns:a="http://schemas.openxmlformats.org/drawingml/2006/main" xmlns:r="http://schemas.openxmlformats.org/officeDocument/2006/relationships" xmlns:p1510="http://schemas.microsoft.com/office/powerpoint/2015/10/main"/>
-</file>
-
 <file path=ppt/slideLayouts/slideLayout1.xml><?xml version="1.0" encoding="utf-8"?>
 <p:sldLayout xmlns:a="http://schemas.openxmlformats.org/drawingml/2006/main" xmlns:r="http://schemas.openxmlformats.org/officeDocument/2006/relationships" xmlns:p="http://schemas.openxmlformats.org/presentationml/2006/main" type="title" preserve="1">
   <p:cSld name="Title Slide">
@@ -265,7 +261,7 @@
           <a:p>
             <a:fld id="{03EC4E3E-8101-482F-A883-8B55DAFF7C07}" type="datetimeFigureOut">
               <a:rPr lang="en-SG" smtClean="0"/>
-              <a:t>6/7/2018</a:t>
+              <a:t>11/11/18</a:t>
             </a:fld>
             <a:endParaRPr lang="en-SG"/>
           </a:p>
@@ -465,7 +461,7 @@
           <a:p>
             <a:fld id="{03EC4E3E-8101-482F-A883-8B55DAFF7C07}" type="datetimeFigureOut">
               <a:rPr lang="en-SG" smtClean="0"/>
-              <a:t>6/7/2018</a:t>
+              <a:t>11/11/18</a:t>
             </a:fld>
             <a:endParaRPr lang="en-SG"/>
           </a:p>
@@ -675,7 +671,7 @@
           <a:p>
             <a:fld id="{03EC4E3E-8101-482F-A883-8B55DAFF7C07}" type="datetimeFigureOut">
               <a:rPr lang="en-SG" smtClean="0"/>
-              <a:t>6/7/2018</a:t>
+              <a:t>11/11/18</a:t>
             </a:fld>
             <a:endParaRPr lang="en-SG"/>
           </a:p>
@@ -875,7 +871,7 @@
           <a:p>
             <a:fld id="{03EC4E3E-8101-482F-A883-8B55DAFF7C07}" type="datetimeFigureOut">
               <a:rPr lang="en-SG" smtClean="0"/>
-              <a:t>6/7/2018</a:t>
+              <a:t>11/11/18</a:t>
             </a:fld>
             <a:endParaRPr lang="en-SG"/>
           </a:p>
@@ -1151,7 +1147,7 @@
           <a:p>
             <a:fld id="{03EC4E3E-8101-482F-A883-8B55DAFF7C07}" type="datetimeFigureOut">
               <a:rPr lang="en-SG" smtClean="0"/>
-              <a:t>6/7/2018</a:t>
+              <a:t>11/11/18</a:t>
             </a:fld>
             <a:endParaRPr lang="en-SG"/>
           </a:p>
@@ -1419,7 +1415,7 @@
           <a:p>
             <a:fld id="{03EC4E3E-8101-482F-A883-8B55DAFF7C07}" type="datetimeFigureOut">
               <a:rPr lang="en-SG" smtClean="0"/>
-              <a:t>6/7/2018</a:t>
+              <a:t>11/11/18</a:t>
             </a:fld>
             <a:endParaRPr lang="en-SG"/>
           </a:p>
@@ -1834,7 +1830,7 @@
           <a:p>
             <a:fld id="{03EC4E3E-8101-482F-A883-8B55DAFF7C07}" type="datetimeFigureOut">
               <a:rPr lang="en-SG" smtClean="0"/>
-              <a:t>6/7/2018</a:t>
+              <a:t>11/11/18</a:t>
             </a:fld>
             <a:endParaRPr lang="en-SG"/>
           </a:p>
@@ -1976,7 +1972,7 @@
           <a:p>
             <a:fld id="{03EC4E3E-8101-482F-A883-8B55DAFF7C07}" type="datetimeFigureOut">
               <a:rPr lang="en-SG" smtClean="0"/>
-              <a:t>6/7/2018</a:t>
+              <a:t>11/11/18</a:t>
             </a:fld>
             <a:endParaRPr lang="en-SG"/>
           </a:p>
@@ -2089,7 +2085,7 @@
           <a:p>
             <a:fld id="{03EC4E3E-8101-482F-A883-8B55DAFF7C07}" type="datetimeFigureOut">
               <a:rPr lang="en-SG" smtClean="0"/>
-              <a:t>6/7/2018</a:t>
+              <a:t>11/11/18</a:t>
             </a:fld>
             <a:endParaRPr lang="en-SG"/>
           </a:p>
@@ -2402,7 +2398,7 @@
           <a:p>
             <a:fld id="{03EC4E3E-8101-482F-A883-8B55DAFF7C07}" type="datetimeFigureOut">
               <a:rPr lang="en-SG" smtClean="0"/>
-              <a:t>6/7/2018</a:t>
+              <a:t>11/11/18</a:t>
             </a:fld>
             <a:endParaRPr lang="en-SG"/>
           </a:p>
@@ -2691,7 +2687,7 @@
           <a:p>
             <a:fld id="{03EC4E3E-8101-482F-A883-8B55DAFF7C07}" type="datetimeFigureOut">
               <a:rPr lang="en-SG" smtClean="0"/>
-              <a:t>6/7/2018</a:t>
+              <a:t>11/11/18</a:t>
             </a:fld>
             <a:endParaRPr lang="en-SG"/>
           </a:p>
@@ -2934,7 +2930,7 @@
           <a:p>
             <a:fld id="{03EC4E3E-8101-482F-A883-8B55DAFF7C07}" type="datetimeFigureOut">
               <a:rPr lang="en-SG" smtClean="0"/>
-              <a:t>6/7/2018</a:t>
+              <a:t>11/11/18</a:t>
             </a:fld>
             <a:endParaRPr lang="en-SG"/>
           </a:p>
@@ -3407,7 +3403,7 @@
             <a:pPr algn="ctr"/>
             <a:r>
               <a:rPr lang="en-SG" dirty="0"/>
-              <a:t>The state of the address book (before ‘add n/David …’ was executed) will be restored to state ab1.</a:t>
+              <a:t>The state of the module planner (before ‘add y/1 s/1 c/CS1010’ was executed) will be restored to state mp1.</a:t>
             </a:r>
           </a:p>
         </p:txBody>
@@ -3420,7 +3416,7 @@
         </p:nvSpPr>
         <p:spPr>
           <a:xfrm>
-            <a:off x="7512000" y="2116184"/>
+            <a:off x="7974524" y="2143812"/>
             <a:ext cx="1335908" cy="1558834"/>
           </a:xfrm>
           <a:prstGeom prst="downArrow">
@@ -3470,7 +3466,7 @@
         </p:nvSpPr>
         <p:spPr>
           <a:xfrm>
-            <a:off x="3917960" y="2726030"/>
+            <a:off x="4785064" y="2823056"/>
             <a:ext cx="3207000" cy="369332"/>
           </a:xfrm>
           <a:prstGeom prst="rect">
@@ -3500,74 +3496,6 @@
           </a:p>
         </p:txBody>
       </p:sp>
-      <p:graphicFrame>
-        <p:nvGraphicFramePr>
-          <p:cNvPr id="18" name="Table 17">
-            <a:extLst>
-              <a:ext uri="{FF2B5EF4-FFF2-40B4-BE49-F238E27FC236}">
-                <a16:creationId xmlns:a16="http://schemas.microsoft.com/office/drawing/2014/main" id="{F545FAB8-F1CE-4886-9BDE-E772BCB0A9C4}"/>
-              </a:ext>
-            </a:extLst>
-          </p:cNvPr>
-          <p:cNvGraphicFramePr>
-            <a:graphicFrameLocks noGrp="1"/>
-          </p:cNvGraphicFramePr>
-          <p:nvPr>
-            <p:extLst>
-              <p:ext uri="{D42A27DB-BD31-4B8C-83A1-F6EECF244321}">
-                <p14:modId xmlns:p14="http://schemas.microsoft.com/office/powerpoint/2010/main" val="1674993041"/>
-              </p:ext>
-            </p:extLst>
-          </p:nvPr>
-        </p:nvGraphicFramePr>
-        <p:xfrm>
-          <a:off x="473240" y="1476102"/>
-          <a:ext cx="1825824" cy="417888"/>
-        </p:xfrm>
-        <a:graphic>
-          <a:graphicData uri="http://schemas.openxmlformats.org/drawingml/2006/table">
-            <a:tbl>
-              <a:tblPr>
-                <a:tableStyleId>{638B1855-1B75-4FBE-930C-398BA8C253C6}</a:tableStyleId>
-              </a:tblPr>
-              <a:tblGrid>
-                <a:gridCol w="1825824">
-                  <a:extLst>
-                    <a:ext uri="{9D8B030D-6E8A-4147-A177-3AD203B41FA5}">
-                      <a16:colId xmlns:a16="http://schemas.microsoft.com/office/drawing/2014/main" val="4240773277"/>
-                    </a:ext>
-                  </a:extLst>
-                </a:gridCol>
-              </a:tblGrid>
-              <a:tr h="417888">
-                <a:tc>
-                  <a:txBody>
-                    <a:bodyPr/>
-                    <a:lstStyle/>
-                    <a:p>
-                      <a:r>
-                        <a:rPr lang="en-SG" u="sng" dirty="0"/>
-                        <a:t>ab0:</a:t>
-                      </a:r>
-                      <a:r>
-                        <a:rPr lang="en-SG" sz="1800" u="sng" dirty="0"/>
-                        <a:t>AddressBook</a:t>
-                      </a:r>
-                      <a:endParaRPr lang="en-SG" u="sng" dirty="0"/>
-                    </a:p>
-                  </a:txBody>
-                  <a:tcPr/>
-                </a:tc>
-                <a:extLst>
-                  <a:ext uri="{0D108BD9-81ED-4DB2-BD59-A6C34878D82A}">
-                    <a16:rowId xmlns:a16="http://schemas.microsoft.com/office/drawing/2014/main" val="2194462629"/>
-                  </a:ext>
-                </a:extLst>
-              </a:tr>
-            </a:tbl>
-          </a:graphicData>
-        </a:graphic>
-      </p:graphicFrame>
       <p:sp>
         <p:nvSpPr>
           <p:cNvPr id="28" name="Rectangle 27"/>
@@ -3628,7 +3556,7 @@
         </p:nvSpPr>
         <p:spPr>
           <a:xfrm>
-            <a:off x="1939992" y="5234888"/>
+            <a:off x="2397192" y="5231038"/>
             <a:ext cx="3207000" cy="369332"/>
           </a:xfrm>
           <a:prstGeom prst="rect">
@@ -3704,346 +3632,6 @@
           </a:p>
         </p:txBody>
       </p:sp>
-      <p:graphicFrame>
-        <p:nvGraphicFramePr>
-          <p:cNvPr id="16" name="Table 15">
-            <a:extLst>
-              <a:ext uri="{FF2B5EF4-FFF2-40B4-BE49-F238E27FC236}">
-                <a16:creationId xmlns:a16="http://schemas.microsoft.com/office/drawing/2014/main" id="{F545FAB8-F1CE-4886-9BDE-E772BCB0A9C4}"/>
-              </a:ext>
-            </a:extLst>
-          </p:cNvPr>
-          <p:cNvGraphicFramePr>
-            <a:graphicFrameLocks noGrp="1"/>
-          </p:cNvGraphicFramePr>
-          <p:nvPr>
-            <p:extLst>
-              <p:ext uri="{D42A27DB-BD31-4B8C-83A1-F6EECF244321}">
-                <p14:modId xmlns:p14="http://schemas.microsoft.com/office/powerpoint/2010/main" val="3085921390"/>
-              </p:ext>
-            </p:extLst>
-          </p:nvPr>
-        </p:nvGraphicFramePr>
-        <p:xfrm>
-          <a:off x="2440458" y="1476102"/>
-          <a:ext cx="1825824" cy="417888"/>
-        </p:xfrm>
-        <a:graphic>
-          <a:graphicData uri="http://schemas.openxmlformats.org/drawingml/2006/table">
-            <a:tbl>
-              <a:tblPr>
-                <a:tableStyleId>{638B1855-1B75-4FBE-930C-398BA8C253C6}</a:tableStyleId>
-              </a:tblPr>
-              <a:tblGrid>
-                <a:gridCol w="1825824">
-                  <a:extLst>
-                    <a:ext uri="{9D8B030D-6E8A-4147-A177-3AD203B41FA5}">
-                      <a16:colId xmlns:a16="http://schemas.microsoft.com/office/drawing/2014/main" val="4240773277"/>
-                    </a:ext>
-                  </a:extLst>
-                </a:gridCol>
-              </a:tblGrid>
-              <a:tr h="417888">
-                <a:tc>
-                  <a:txBody>
-                    <a:bodyPr/>
-                    <a:lstStyle/>
-                    <a:p>
-                      <a:r>
-                        <a:rPr lang="en-SG" u="sng" dirty="0"/>
-                        <a:t>ab1:</a:t>
-                      </a:r>
-                      <a:r>
-                        <a:rPr lang="en-SG" sz="1800" u="sng" dirty="0"/>
-                        <a:t>AddressBook</a:t>
-                      </a:r>
-                      <a:endParaRPr lang="en-SG" u="sng" dirty="0"/>
-                    </a:p>
-                  </a:txBody>
-                  <a:tcPr/>
-                </a:tc>
-                <a:extLst>
-                  <a:ext uri="{0D108BD9-81ED-4DB2-BD59-A6C34878D82A}">
-                    <a16:rowId xmlns:a16="http://schemas.microsoft.com/office/drawing/2014/main" val="2194462629"/>
-                  </a:ext>
-                </a:extLst>
-              </a:tr>
-            </a:tbl>
-          </a:graphicData>
-        </a:graphic>
-      </p:graphicFrame>
-      <p:graphicFrame>
-        <p:nvGraphicFramePr>
-          <p:cNvPr id="20" name="Table 19">
-            <a:extLst>
-              <a:ext uri="{FF2B5EF4-FFF2-40B4-BE49-F238E27FC236}">
-                <a16:creationId xmlns:a16="http://schemas.microsoft.com/office/drawing/2014/main" id="{F545FAB8-F1CE-4886-9BDE-E772BCB0A9C4}"/>
-              </a:ext>
-            </a:extLst>
-          </p:cNvPr>
-          <p:cNvGraphicFramePr>
-            <a:graphicFrameLocks noGrp="1"/>
-          </p:cNvGraphicFramePr>
-          <p:nvPr>
-            <p:extLst>
-              <p:ext uri="{D42A27DB-BD31-4B8C-83A1-F6EECF244321}">
-                <p14:modId xmlns:p14="http://schemas.microsoft.com/office/powerpoint/2010/main" val="3504448791"/>
-              </p:ext>
-            </p:extLst>
-          </p:nvPr>
-        </p:nvGraphicFramePr>
-        <p:xfrm>
-          <a:off x="4409785" y="1476102"/>
-          <a:ext cx="1825824" cy="417888"/>
-        </p:xfrm>
-        <a:graphic>
-          <a:graphicData uri="http://schemas.openxmlformats.org/drawingml/2006/table">
-            <a:tbl>
-              <a:tblPr>
-                <a:tableStyleId>{638B1855-1B75-4FBE-930C-398BA8C253C6}</a:tableStyleId>
-              </a:tblPr>
-              <a:tblGrid>
-                <a:gridCol w="1825824">
-                  <a:extLst>
-                    <a:ext uri="{9D8B030D-6E8A-4147-A177-3AD203B41FA5}">
-                      <a16:colId xmlns:a16="http://schemas.microsoft.com/office/drawing/2014/main" val="4240773277"/>
-                    </a:ext>
-                  </a:extLst>
-                </a:gridCol>
-              </a:tblGrid>
-              <a:tr h="417888">
-                <a:tc>
-                  <a:txBody>
-                    <a:bodyPr/>
-                    <a:lstStyle/>
-                    <a:p>
-                      <a:r>
-                        <a:rPr lang="en-SG" u="sng" dirty="0"/>
-                        <a:t>ab2:</a:t>
-                      </a:r>
-                      <a:r>
-                        <a:rPr lang="en-SG" sz="1800" u="sng" dirty="0"/>
-                        <a:t>AddressBook</a:t>
-                      </a:r>
-                      <a:endParaRPr lang="en-SG" u="sng" dirty="0"/>
-                    </a:p>
-                  </a:txBody>
-                  <a:tcPr/>
-                </a:tc>
-                <a:extLst>
-                  <a:ext uri="{0D108BD9-81ED-4DB2-BD59-A6C34878D82A}">
-                    <a16:rowId xmlns:a16="http://schemas.microsoft.com/office/drawing/2014/main" val="2194462629"/>
-                  </a:ext>
-                </a:extLst>
-              </a:tr>
-            </a:tbl>
-          </a:graphicData>
-        </a:graphic>
-      </p:graphicFrame>
-      <p:graphicFrame>
-        <p:nvGraphicFramePr>
-          <p:cNvPr id="21" name="Table 20">
-            <a:extLst>
-              <a:ext uri="{FF2B5EF4-FFF2-40B4-BE49-F238E27FC236}">
-                <a16:creationId xmlns:a16="http://schemas.microsoft.com/office/drawing/2014/main" id="{F545FAB8-F1CE-4886-9BDE-E772BCB0A9C4}"/>
-              </a:ext>
-            </a:extLst>
-          </p:cNvPr>
-          <p:cNvGraphicFramePr>
-            <a:graphicFrameLocks noGrp="1"/>
-          </p:cNvGraphicFramePr>
-          <p:nvPr>
-            <p:extLst>
-              <p:ext uri="{D42A27DB-BD31-4B8C-83A1-F6EECF244321}">
-                <p14:modId xmlns:p14="http://schemas.microsoft.com/office/powerpoint/2010/main" val="3880678430"/>
-              </p:ext>
-            </p:extLst>
-          </p:nvPr>
-        </p:nvGraphicFramePr>
-        <p:xfrm>
-          <a:off x="473240" y="3922133"/>
-          <a:ext cx="1825824" cy="417888"/>
-        </p:xfrm>
-        <a:graphic>
-          <a:graphicData uri="http://schemas.openxmlformats.org/drawingml/2006/table">
-            <a:tbl>
-              <a:tblPr>
-                <a:tableStyleId>{638B1855-1B75-4FBE-930C-398BA8C253C6}</a:tableStyleId>
-              </a:tblPr>
-              <a:tblGrid>
-                <a:gridCol w="1825824">
-                  <a:extLst>
-                    <a:ext uri="{9D8B030D-6E8A-4147-A177-3AD203B41FA5}">
-                      <a16:colId xmlns:a16="http://schemas.microsoft.com/office/drawing/2014/main" val="4240773277"/>
-                    </a:ext>
-                  </a:extLst>
-                </a:gridCol>
-              </a:tblGrid>
-              <a:tr h="417888">
-                <a:tc>
-                  <a:txBody>
-                    <a:bodyPr/>
-                    <a:lstStyle/>
-                    <a:p>
-                      <a:r>
-                        <a:rPr lang="en-SG" u="sng" dirty="0"/>
-                        <a:t>ab0:</a:t>
-                      </a:r>
-                      <a:r>
-                        <a:rPr lang="en-SG" sz="1800" u="sng" dirty="0"/>
-                        <a:t>AddressBook</a:t>
-                      </a:r>
-                      <a:endParaRPr lang="en-SG" u="sng" dirty="0"/>
-                    </a:p>
-                  </a:txBody>
-                  <a:tcPr/>
-                </a:tc>
-                <a:extLst>
-                  <a:ext uri="{0D108BD9-81ED-4DB2-BD59-A6C34878D82A}">
-                    <a16:rowId xmlns:a16="http://schemas.microsoft.com/office/drawing/2014/main" val="2194462629"/>
-                  </a:ext>
-                </a:extLst>
-              </a:tr>
-            </a:tbl>
-          </a:graphicData>
-        </a:graphic>
-      </p:graphicFrame>
-      <p:graphicFrame>
-        <p:nvGraphicFramePr>
-          <p:cNvPr id="22" name="Table 21">
-            <a:extLst>
-              <a:ext uri="{FF2B5EF4-FFF2-40B4-BE49-F238E27FC236}">
-                <a16:creationId xmlns:a16="http://schemas.microsoft.com/office/drawing/2014/main" id="{F545FAB8-F1CE-4886-9BDE-E772BCB0A9C4}"/>
-              </a:ext>
-            </a:extLst>
-          </p:cNvPr>
-          <p:cNvGraphicFramePr>
-            <a:graphicFrameLocks noGrp="1"/>
-          </p:cNvGraphicFramePr>
-          <p:nvPr>
-            <p:extLst>
-              <p:ext uri="{D42A27DB-BD31-4B8C-83A1-F6EECF244321}">
-                <p14:modId xmlns:p14="http://schemas.microsoft.com/office/powerpoint/2010/main" val="719723626"/>
-              </p:ext>
-            </p:extLst>
-          </p:nvPr>
-        </p:nvGraphicFramePr>
-        <p:xfrm>
-          <a:off x="2440458" y="3922133"/>
-          <a:ext cx="1825824" cy="417888"/>
-        </p:xfrm>
-        <a:graphic>
-          <a:graphicData uri="http://schemas.openxmlformats.org/drawingml/2006/table">
-            <a:tbl>
-              <a:tblPr>
-                <a:tableStyleId>{638B1855-1B75-4FBE-930C-398BA8C253C6}</a:tableStyleId>
-              </a:tblPr>
-              <a:tblGrid>
-                <a:gridCol w="1825824">
-                  <a:extLst>
-                    <a:ext uri="{9D8B030D-6E8A-4147-A177-3AD203B41FA5}">
-                      <a16:colId xmlns:a16="http://schemas.microsoft.com/office/drawing/2014/main" val="4240773277"/>
-                    </a:ext>
-                  </a:extLst>
-                </a:gridCol>
-              </a:tblGrid>
-              <a:tr h="417888">
-                <a:tc>
-                  <a:txBody>
-                    <a:bodyPr/>
-                    <a:lstStyle/>
-                    <a:p>
-                      <a:r>
-                        <a:rPr lang="en-SG" u="sng" dirty="0"/>
-                        <a:t>ab1:</a:t>
-                      </a:r>
-                      <a:r>
-                        <a:rPr lang="en-SG" sz="1800" u="sng" dirty="0"/>
-                        <a:t>AddressBook</a:t>
-                      </a:r>
-                      <a:endParaRPr lang="en-SG" u="sng" dirty="0"/>
-                    </a:p>
-                  </a:txBody>
-                  <a:tcPr/>
-                </a:tc>
-                <a:extLst>
-                  <a:ext uri="{0D108BD9-81ED-4DB2-BD59-A6C34878D82A}">
-                    <a16:rowId xmlns:a16="http://schemas.microsoft.com/office/drawing/2014/main" val="2194462629"/>
-                  </a:ext>
-                </a:extLst>
-              </a:tr>
-            </a:tbl>
-          </a:graphicData>
-        </a:graphic>
-      </p:graphicFrame>
-      <p:graphicFrame>
-        <p:nvGraphicFramePr>
-          <p:cNvPr id="23" name="Table 22">
-            <a:extLst>
-              <a:ext uri="{FF2B5EF4-FFF2-40B4-BE49-F238E27FC236}">
-                <a16:creationId xmlns:a16="http://schemas.microsoft.com/office/drawing/2014/main" id="{F545FAB8-F1CE-4886-9BDE-E772BCB0A9C4}"/>
-              </a:ext>
-            </a:extLst>
-          </p:cNvPr>
-          <p:cNvGraphicFramePr>
-            <a:graphicFrameLocks noGrp="1"/>
-          </p:cNvGraphicFramePr>
-          <p:nvPr>
-            <p:extLst>
-              <p:ext uri="{D42A27DB-BD31-4B8C-83A1-F6EECF244321}">
-                <p14:modId xmlns:p14="http://schemas.microsoft.com/office/powerpoint/2010/main" val="3592690620"/>
-              </p:ext>
-            </p:extLst>
-          </p:nvPr>
-        </p:nvGraphicFramePr>
-        <p:xfrm>
-          <a:off x="4409785" y="3922133"/>
-          <a:ext cx="1825824" cy="417888"/>
-        </p:xfrm>
-        <a:graphic>
-          <a:graphicData uri="http://schemas.openxmlformats.org/drawingml/2006/table">
-            <a:tbl>
-              <a:tblPr>
-                <a:tableStyleId>{638B1855-1B75-4FBE-930C-398BA8C253C6}</a:tableStyleId>
-              </a:tblPr>
-              <a:tblGrid>
-                <a:gridCol w="1825824">
-                  <a:extLst>
-                    <a:ext uri="{9D8B030D-6E8A-4147-A177-3AD203B41FA5}">
-                      <a16:colId xmlns:a16="http://schemas.microsoft.com/office/drawing/2014/main" val="4240773277"/>
-                    </a:ext>
-                  </a:extLst>
-                </a:gridCol>
-              </a:tblGrid>
-              <a:tr h="417888">
-                <a:tc>
-                  <a:txBody>
-                    <a:bodyPr/>
-                    <a:lstStyle/>
-                    <a:p>
-                      <a:r>
-                        <a:rPr lang="en-SG" u="sng" dirty="0"/>
-                        <a:t>ab2:</a:t>
-                      </a:r>
-                      <a:r>
-                        <a:rPr lang="en-SG" sz="1800" u="sng" dirty="0"/>
-                        <a:t>AddressBook</a:t>
-                      </a:r>
-                      <a:endParaRPr lang="en-SG" u="sng" dirty="0"/>
-                    </a:p>
-                  </a:txBody>
-                  <a:tcPr/>
-                </a:tc>
-                <a:extLst>
-                  <a:ext uri="{0D108BD9-81ED-4DB2-BD59-A6C34878D82A}">
-                    <a16:rowId xmlns:a16="http://schemas.microsoft.com/office/drawing/2014/main" val="2194462629"/>
-                  </a:ext>
-                </a:extLst>
-              </a:tr>
-            </a:tbl>
-          </a:graphicData>
-        </a:graphic>
-      </p:graphicFrame>
       <p:cxnSp>
         <p:nvCxnSpPr>
           <p:cNvPr id="19" name="Straight Arrow Connector 18">
@@ -4060,7 +3648,7 @@
         </p:nvCxnSpPr>
         <p:spPr>
           <a:xfrm flipV="1">
-            <a:off x="5377343" y="2019157"/>
+            <a:off x="6244447" y="2116183"/>
             <a:ext cx="0" cy="706873"/>
           </a:xfrm>
           <a:prstGeom prst="straightConnector1">
@@ -4104,7 +3692,7 @@
         </p:nvCxnSpPr>
         <p:spPr>
           <a:xfrm flipV="1">
-            <a:off x="3380763" y="4504888"/>
+            <a:off x="3837963" y="4501038"/>
             <a:ext cx="0" cy="730001"/>
           </a:xfrm>
           <a:prstGeom prst="straightConnector1">
@@ -4132,6 +3720,420 @@
           </a:fontRef>
         </p:style>
       </p:cxnSp>
+      <p:graphicFrame>
+        <p:nvGraphicFramePr>
+          <p:cNvPr id="26" name="Table 25">
+            <a:extLst>
+              <a:ext uri="{FF2B5EF4-FFF2-40B4-BE49-F238E27FC236}">
+                <a16:creationId xmlns:a16="http://schemas.microsoft.com/office/drawing/2014/main" id="{CBD18153-DCA1-A44F-9E34-044AB635CAF0}"/>
+              </a:ext>
+            </a:extLst>
+          </p:cNvPr>
+          <p:cNvGraphicFramePr>
+            <a:graphicFrameLocks noGrp="1"/>
+          </p:cNvGraphicFramePr>
+          <p:nvPr>
+            <p:extLst>
+              <p:ext uri="{D42A27DB-BD31-4B8C-83A1-F6EECF244321}">
+                <p14:modId xmlns:p14="http://schemas.microsoft.com/office/powerpoint/2010/main" val="200370054"/>
+              </p:ext>
+            </p:extLst>
+          </p:nvPr>
+        </p:nvGraphicFramePr>
+        <p:xfrm>
+          <a:off x="473239" y="1476102"/>
+          <a:ext cx="2206897" cy="417888"/>
+        </p:xfrm>
+        <a:graphic>
+          <a:graphicData uri="http://schemas.openxmlformats.org/drawingml/2006/table">
+            <a:tbl>
+              <a:tblPr>
+                <a:tableStyleId>{638B1855-1B75-4FBE-930C-398BA8C253C6}</a:tableStyleId>
+              </a:tblPr>
+              <a:tblGrid>
+                <a:gridCol w="2206897">
+                  <a:extLst>
+                    <a:ext uri="{9D8B030D-6E8A-4147-A177-3AD203B41FA5}">
+                      <a16:colId xmlns:a16="http://schemas.microsoft.com/office/drawing/2014/main" val="4240773277"/>
+                    </a:ext>
+                  </a:extLst>
+                </a:gridCol>
+              </a:tblGrid>
+              <a:tr h="417888">
+                <a:tc>
+                  <a:txBody>
+                    <a:bodyPr/>
+                    <a:lstStyle/>
+                    <a:p>
+                      <a:pPr algn="ctr"/>
+                      <a:r>
+                        <a:rPr lang="en-SG" u="sng" dirty="0"/>
+                        <a:t>mp0:</a:t>
+                      </a:r>
+                      <a:r>
+                        <a:rPr lang="en-SG" sz="1800" u="sng" dirty="0"/>
+                        <a:t>ModulePlanner</a:t>
+                      </a:r>
+                      <a:endParaRPr lang="en-SG" u="sng" dirty="0"/>
+                    </a:p>
+                  </a:txBody>
+                  <a:tcPr/>
+                </a:tc>
+                <a:extLst>
+                  <a:ext uri="{0D108BD9-81ED-4DB2-BD59-A6C34878D82A}">
+                    <a16:rowId xmlns:a16="http://schemas.microsoft.com/office/drawing/2014/main" val="2194462629"/>
+                  </a:ext>
+                </a:extLst>
+              </a:tr>
+            </a:tbl>
+          </a:graphicData>
+        </a:graphic>
+      </p:graphicFrame>
+      <p:graphicFrame>
+        <p:nvGraphicFramePr>
+          <p:cNvPr id="27" name="Table 26">
+            <a:extLst>
+              <a:ext uri="{FF2B5EF4-FFF2-40B4-BE49-F238E27FC236}">
+                <a16:creationId xmlns:a16="http://schemas.microsoft.com/office/drawing/2014/main" id="{6B2EE1CD-90C0-9043-B507-33F01F3AEEB7}"/>
+              </a:ext>
+            </a:extLst>
+          </p:cNvPr>
+          <p:cNvGraphicFramePr>
+            <a:graphicFrameLocks noGrp="1"/>
+          </p:cNvGraphicFramePr>
+          <p:nvPr>
+            <p:extLst>
+              <p:ext uri="{D42A27DB-BD31-4B8C-83A1-F6EECF244321}">
+                <p14:modId xmlns:p14="http://schemas.microsoft.com/office/powerpoint/2010/main" val="1764511560"/>
+              </p:ext>
+            </p:extLst>
+          </p:nvPr>
+        </p:nvGraphicFramePr>
+        <p:xfrm>
+          <a:off x="5308721" y="1483383"/>
+          <a:ext cx="2206897" cy="417888"/>
+        </p:xfrm>
+        <a:graphic>
+          <a:graphicData uri="http://schemas.openxmlformats.org/drawingml/2006/table">
+            <a:tbl>
+              <a:tblPr>
+                <a:tableStyleId>{638B1855-1B75-4FBE-930C-398BA8C253C6}</a:tableStyleId>
+              </a:tblPr>
+              <a:tblGrid>
+                <a:gridCol w="2206897">
+                  <a:extLst>
+                    <a:ext uri="{9D8B030D-6E8A-4147-A177-3AD203B41FA5}">
+                      <a16:colId xmlns:a16="http://schemas.microsoft.com/office/drawing/2014/main" val="4240773277"/>
+                    </a:ext>
+                  </a:extLst>
+                </a:gridCol>
+              </a:tblGrid>
+              <a:tr h="417888">
+                <a:tc>
+                  <a:txBody>
+                    <a:bodyPr/>
+                    <a:lstStyle/>
+                    <a:p>
+                      <a:pPr algn="ctr"/>
+                      <a:r>
+                        <a:rPr lang="en-SG" u="sng" dirty="0"/>
+                        <a:t>mp2:</a:t>
+                      </a:r>
+                      <a:r>
+                        <a:rPr lang="en-SG" sz="1800" u="sng" dirty="0"/>
+                        <a:t>ModulePlanner</a:t>
+                      </a:r>
+                      <a:endParaRPr lang="en-SG" u="sng" dirty="0"/>
+                    </a:p>
+                  </a:txBody>
+                  <a:tcPr/>
+                </a:tc>
+                <a:extLst>
+                  <a:ext uri="{0D108BD9-81ED-4DB2-BD59-A6C34878D82A}">
+                    <a16:rowId xmlns:a16="http://schemas.microsoft.com/office/drawing/2014/main" val="2194462629"/>
+                  </a:ext>
+                </a:extLst>
+              </a:tr>
+            </a:tbl>
+          </a:graphicData>
+        </a:graphic>
+      </p:graphicFrame>
+      <p:graphicFrame>
+        <p:nvGraphicFramePr>
+          <p:cNvPr id="30" name="Table 29">
+            <a:extLst>
+              <a:ext uri="{FF2B5EF4-FFF2-40B4-BE49-F238E27FC236}">
+                <a16:creationId xmlns:a16="http://schemas.microsoft.com/office/drawing/2014/main" id="{23D8ABA5-DB86-4046-BC17-85925D887D58}"/>
+              </a:ext>
+            </a:extLst>
+          </p:cNvPr>
+          <p:cNvGraphicFramePr>
+            <a:graphicFrameLocks noGrp="1"/>
+          </p:cNvGraphicFramePr>
+          <p:nvPr>
+            <p:extLst>
+              <p:ext uri="{D42A27DB-BD31-4B8C-83A1-F6EECF244321}">
+                <p14:modId xmlns:p14="http://schemas.microsoft.com/office/powerpoint/2010/main" val="2385735227"/>
+              </p:ext>
+            </p:extLst>
+          </p:nvPr>
+        </p:nvGraphicFramePr>
+        <p:xfrm>
+          <a:off x="2890980" y="1483383"/>
+          <a:ext cx="2206897" cy="417888"/>
+        </p:xfrm>
+        <a:graphic>
+          <a:graphicData uri="http://schemas.openxmlformats.org/drawingml/2006/table">
+            <a:tbl>
+              <a:tblPr>
+                <a:tableStyleId>{638B1855-1B75-4FBE-930C-398BA8C253C6}</a:tableStyleId>
+              </a:tblPr>
+              <a:tblGrid>
+                <a:gridCol w="2206897">
+                  <a:extLst>
+                    <a:ext uri="{9D8B030D-6E8A-4147-A177-3AD203B41FA5}">
+                      <a16:colId xmlns:a16="http://schemas.microsoft.com/office/drawing/2014/main" val="4240773277"/>
+                    </a:ext>
+                  </a:extLst>
+                </a:gridCol>
+              </a:tblGrid>
+              <a:tr h="417888">
+                <a:tc>
+                  <a:txBody>
+                    <a:bodyPr/>
+                    <a:lstStyle/>
+                    <a:p>
+                      <a:pPr algn="ctr"/>
+                      <a:r>
+                        <a:rPr lang="en-SG" u="sng" dirty="0"/>
+                        <a:t>mp1:</a:t>
+                      </a:r>
+                      <a:r>
+                        <a:rPr lang="en-SG" sz="1800" u="sng" dirty="0"/>
+                        <a:t>ModulePlanner</a:t>
+                      </a:r>
+                      <a:endParaRPr lang="en-SG" u="sng" dirty="0"/>
+                    </a:p>
+                  </a:txBody>
+                  <a:tcPr/>
+                </a:tc>
+                <a:extLst>
+                  <a:ext uri="{0D108BD9-81ED-4DB2-BD59-A6C34878D82A}">
+                    <a16:rowId xmlns:a16="http://schemas.microsoft.com/office/drawing/2014/main" val="2194462629"/>
+                  </a:ext>
+                </a:extLst>
+              </a:tr>
+            </a:tbl>
+          </a:graphicData>
+        </a:graphic>
+      </p:graphicFrame>
+      <p:graphicFrame>
+        <p:nvGraphicFramePr>
+          <p:cNvPr id="31" name="Table 30">
+            <a:extLst>
+              <a:ext uri="{FF2B5EF4-FFF2-40B4-BE49-F238E27FC236}">
+                <a16:creationId xmlns:a16="http://schemas.microsoft.com/office/drawing/2014/main" id="{10DDAD16-FD08-A244-A463-E52B3775755A}"/>
+              </a:ext>
+            </a:extLst>
+          </p:cNvPr>
+          <p:cNvGraphicFramePr>
+            <a:graphicFrameLocks noGrp="1"/>
+          </p:cNvGraphicFramePr>
+          <p:nvPr>
+            <p:extLst>
+              <p:ext uri="{D42A27DB-BD31-4B8C-83A1-F6EECF244321}">
+                <p14:modId xmlns:p14="http://schemas.microsoft.com/office/powerpoint/2010/main" val="3561067286"/>
+              </p:ext>
+            </p:extLst>
+          </p:nvPr>
+        </p:nvGraphicFramePr>
+        <p:xfrm>
+          <a:off x="473239" y="3899839"/>
+          <a:ext cx="2206897" cy="417888"/>
+        </p:xfrm>
+        <a:graphic>
+          <a:graphicData uri="http://schemas.openxmlformats.org/drawingml/2006/table">
+            <a:tbl>
+              <a:tblPr>
+                <a:tableStyleId>{638B1855-1B75-4FBE-930C-398BA8C253C6}</a:tableStyleId>
+              </a:tblPr>
+              <a:tblGrid>
+                <a:gridCol w="2206897">
+                  <a:extLst>
+                    <a:ext uri="{9D8B030D-6E8A-4147-A177-3AD203B41FA5}">
+                      <a16:colId xmlns:a16="http://schemas.microsoft.com/office/drawing/2014/main" val="4240773277"/>
+                    </a:ext>
+                  </a:extLst>
+                </a:gridCol>
+              </a:tblGrid>
+              <a:tr h="417888">
+                <a:tc>
+                  <a:txBody>
+                    <a:bodyPr/>
+                    <a:lstStyle/>
+                    <a:p>
+                      <a:pPr algn="ctr"/>
+                      <a:r>
+                        <a:rPr lang="en-SG" u="sng" dirty="0"/>
+                        <a:t>mp0:</a:t>
+                      </a:r>
+                      <a:r>
+                        <a:rPr lang="en-SG" sz="1800" u="sng" dirty="0"/>
+                        <a:t>ModulePlanner</a:t>
+                      </a:r>
+                      <a:endParaRPr lang="en-SG" u="sng" dirty="0"/>
+                    </a:p>
+                  </a:txBody>
+                  <a:tcPr/>
+                </a:tc>
+                <a:extLst>
+                  <a:ext uri="{0D108BD9-81ED-4DB2-BD59-A6C34878D82A}">
+                    <a16:rowId xmlns:a16="http://schemas.microsoft.com/office/drawing/2014/main" val="2194462629"/>
+                  </a:ext>
+                </a:extLst>
+              </a:tr>
+            </a:tbl>
+          </a:graphicData>
+        </a:graphic>
+      </p:graphicFrame>
+      <p:graphicFrame>
+        <p:nvGraphicFramePr>
+          <p:cNvPr id="32" name="Table 31">
+            <a:extLst>
+              <a:ext uri="{FF2B5EF4-FFF2-40B4-BE49-F238E27FC236}">
+                <a16:creationId xmlns:a16="http://schemas.microsoft.com/office/drawing/2014/main" id="{A65D620C-A109-9A40-8B32-4E2896237E95}"/>
+              </a:ext>
+            </a:extLst>
+          </p:cNvPr>
+          <p:cNvGraphicFramePr>
+            <a:graphicFrameLocks noGrp="1"/>
+          </p:cNvGraphicFramePr>
+          <p:nvPr>
+            <p:extLst>
+              <p:ext uri="{D42A27DB-BD31-4B8C-83A1-F6EECF244321}">
+                <p14:modId xmlns:p14="http://schemas.microsoft.com/office/powerpoint/2010/main" val="1381103993"/>
+              </p:ext>
+            </p:extLst>
+          </p:nvPr>
+        </p:nvGraphicFramePr>
+        <p:xfrm>
+          <a:off x="5308721" y="3907120"/>
+          <a:ext cx="2206897" cy="417888"/>
+        </p:xfrm>
+        <a:graphic>
+          <a:graphicData uri="http://schemas.openxmlformats.org/drawingml/2006/table">
+            <a:tbl>
+              <a:tblPr>
+                <a:tableStyleId>{638B1855-1B75-4FBE-930C-398BA8C253C6}</a:tableStyleId>
+              </a:tblPr>
+              <a:tblGrid>
+                <a:gridCol w="2206897">
+                  <a:extLst>
+                    <a:ext uri="{9D8B030D-6E8A-4147-A177-3AD203B41FA5}">
+                      <a16:colId xmlns:a16="http://schemas.microsoft.com/office/drawing/2014/main" val="4240773277"/>
+                    </a:ext>
+                  </a:extLst>
+                </a:gridCol>
+              </a:tblGrid>
+              <a:tr h="417888">
+                <a:tc>
+                  <a:txBody>
+                    <a:bodyPr/>
+                    <a:lstStyle/>
+                    <a:p>
+                      <a:pPr algn="ctr"/>
+                      <a:r>
+                        <a:rPr lang="en-SG" u="sng" dirty="0"/>
+                        <a:t>mp2:</a:t>
+                      </a:r>
+                      <a:r>
+                        <a:rPr lang="en-SG" sz="1800" u="sng" dirty="0"/>
+                        <a:t>ModulePlanner</a:t>
+                      </a:r>
+                      <a:endParaRPr lang="en-SG" u="sng" dirty="0"/>
+                    </a:p>
+                  </a:txBody>
+                  <a:tcPr/>
+                </a:tc>
+                <a:extLst>
+                  <a:ext uri="{0D108BD9-81ED-4DB2-BD59-A6C34878D82A}">
+                    <a16:rowId xmlns:a16="http://schemas.microsoft.com/office/drawing/2014/main" val="2194462629"/>
+                  </a:ext>
+                </a:extLst>
+              </a:tr>
+            </a:tbl>
+          </a:graphicData>
+        </a:graphic>
+      </p:graphicFrame>
+      <p:graphicFrame>
+        <p:nvGraphicFramePr>
+          <p:cNvPr id="33" name="Table 32">
+            <a:extLst>
+              <a:ext uri="{FF2B5EF4-FFF2-40B4-BE49-F238E27FC236}">
+                <a16:creationId xmlns:a16="http://schemas.microsoft.com/office/drawing/2014/main" id="{A939FA6A-A2BD-8543-BDE1-D001442F9E96}"/>
+              </a:ext>
+            </a:extLst>
+          </p:cNvPr>
+          <p:cNvGraphicFramePr>
+            <a:graphicFrameLocks noGrp="1"/>
+          </p:cNvGraphicFramePr>
+          <p:nvPr>
+            <p:extLst>
+              <p:ext uri="{D42A27DB-BD31-4B8C-83A1-F6EECF244321}">
+                <p14:modId xmlns:p14="http://schemas.microsoft.com/office/powerpoint/2010/main" val="3465840166"/>
+              </p:ext>
+            </p:extLst>
+          </p:nvPr>
+        </p:nvGraphicFramePr>
+        <p:xfrm>
+          <a:off x="2890980" y="3907120"/>
+          <a:ext cx="2206897" cy="417888"/>
+        </p:xfrm>
+        <a:graphic>
+          <a:graphicData uri="http://schemas.openxmlformats.org/drawingml/2006/table">
+            <a:tbl>
+              <a:tblPr>
+                <a:tableStyleId>{638B1855-1B75-4FBE-930C-398BA8C253C6}</a:tableStyleId>
+              </a:tblPr>
+              <a:tblGrid>
+                <a:gridCol w="2206897">
+                  <a:extLst>
+                    <a:ext uri="{9D8B030D-6E8A-4147-A177-3AD203B41FA5}">
+                      <a16:colId xmlns:a16="http://schemas.microsoft.com/office/drawing/2014/main" val="4240773277"/>
+                    </a:ext>
+                  </a:extLst>
+                </a:gridCol>
+              </a:tblGrid>
+              <a:tr h="417888">
+                <a:tc>
+                  <a:txBody>
+                    <a:bodyPr/>
+                    <a:lstStyle/>
+                    <a:p>
+                      <a:pPr algn="ctr"/>
+                      <a:r>
+                        <a:rPr lang="en-SG" u="sng" dirty="0"/>
+                        <a:t>mp1:</a:t>
+                      </a:r>
+                      <a:r>
+                        <a:rPr lang="en-SG" sz="1800" u="sng" dirty="0"/>
+                        <a:t>ModulePlanner</a:t>
+                      </a:r>
+                      <a:endParaRPr lang="en-SG" u="sng" dirty="0"/>
+                    </a:p>
+                  </a:txBody>
+                  <a:tcPr/>
+                </a:tc>
+                <a:extLst>
+                  <a:ext uri="{0D108BD9-81ED-4DB2-BD59-A6C34878D82A}">
+                    <a16:rowId xmlns:a16="http://schemas.microsoft.com/office/drawing/2014/main" val="2194462629"/>
+                  </a:ext>
+                </a:extLst>
+              </a:tr>
+            </a:tbl>
+          </a:graphicData>
+        </a:graphic>
+      </p:graphicFrame>
     </p:spTree>
     <p:extLst>
       <p:ext uri="{BB962C8B-B14F-4D97-AF65-F5344CB8AC3E}">
